--- a/PPTS/Sqoop Introduction.pptx
+++ b/PPTS/Sqoop Introduction.pptx
@@ -310,7 +310,7 @@
           <a:p>
             <a:fld id="{DFE6EE35-486F-4744-BCD0-C0B0C16F6743}" type="datetimeFigureOut">
               <a:rPr lang="en-US" smtClean="0"/>
-              <a:t>11/28/2016</a:t>
+              <a:t>11/28/16</a:t>
             </a:fld>
             <a:endParaRPr lang="en-US"/>
           </a:p>
@@ -480,7 +480,7 @@
           <a:p>
             <a:fld id="{DFE6EE35-486F-4744-BCD0-C0B0C16F6743}" type="datetimeFigureOut">
               <a:rPr lang="en-US" smtClean="0"/>
-              <a:t>11/28/2016</a:t>
+              <a:t>11/28/16</a:t>
             </a:fld>
             <a:endParaRPr lang="en-US"/>
           </a:p>
@@ -660,7 +660,7 @@
           <a:p>
             <a:fld id="{DFE6EE35-486F-4744-BCD0-C0B0C16F6743}" type="datetimeFigureOut">
               <a:rPr lang="en-US" smtClean="0"/>
-              <a:t>11/28/2016</a:t>
+              <a:t>11/28/16</a:t>
             </a:fld>
             <a:endParaRPr lang="en-US"/>
           </a:p>
@@ -830,7 +830,7 @@
           <a:p>
             <a:fld id="{DFE6EE35-486F-4744-BCD0-C0B0C16F6743}" type="datetimeFigureOut">
               <a:rPr lang="en-US" smtClean="0"/>
-              <a:t>11/28/2016</a:t>
+              <a:t>11/28/16</a:t>
             </a:fld>
             <a:endParaRPr lang="en-US"/>
           </a:p>
@@ -1076,7 +1076,7 @@
           <a:p>
             <a:fld id="{DFE6EE35-486F-4744-BCD0-C0B0C16F6743}" type="datetimeFigureOut">
               <a:rPr lang="en-US" smtClean="0"/>
-              <a:t>11/28/2016</a:t>
+              <a:t>11/28/16</a:t>
             </a:fld>
             <a:endParaRPr lang="en-US"/>
           </a:p>
@@ -1364,7 +1364,7 @@
           <a:p>
             <a:fld id="{DFE6EE35-486F-4744-BCD0-C0B0C16F6743}" type="datetimeFigureOut">
               <a:rPr lang="en-US" smtClean="0"/>
-              <a:t>11/28/2016</a:t>
+              <a:t>11/28/16</a:t>
             </a:fld>
             <a:endParaRPr lang="en-US"/>
           </a:p>
@@ -1786,7 +1786,7 @@
           <a:p>
             <a:fld id="{DFE6EE35-486F-4744-BCD0-C0B0C16F6743}" type="datetimeFigureOut">
               <a:rPr lang="en-US" smtClean="0"/>
-              <a:t>11/28/2016</a:t>
+              <a:t>11/28/16</a:t>
             </a:fld>
             <a:endParaRPr lang="en-US"/>
           </a:p>
@@ -1904,7 +1904,7 @@
           <a:p>
             <a:fld id="{DFE6EE35-486F-4744-BCD0-C0B0C16F6743}" type="datetimeFigureOut">
               <a:rPr lang="en-US" smtClean="0"/>
-              <a:t>11/28/2016</a:t>
+              <a:t>11/28/16</a:t>
             </a:fld>
             <a:endParaRPr lang="en-US"/>
           </a:p>
@@ -1999,7 +1999,7 @@
           <a:p>
             <a:fld id="{DFE6EE35-486F-4744-BCD0-C0B0C16F6743}" type="datetimeFigureOut">
               <a:rPr lang="en-US" smtClean="0"/>
-              <a:t>11/28/2016</a:t>
+              <a:t>11/28/16</a:t>
             </a:fld>
             <a:endParaRPr lang="en-US"/>
           </a:p>
@@ -2276,7 +2276,7 @@
           <a:p>
             <a:fld id="{DFE6EE35-486F-4744-BCD0-C0B0C16F6743}" type="datetimeFigureOut">
               <a:rPr lang="en-US" smtClean="0"/>
-              <a:t>11/28/2016</a:t>
+              <a:t>11/28/16</a:t>
             </a:fld>
             <a:endParaRPr lang="en-US"/>
           </a:p>
@@ -2529,7 +2529,7 @@
           <a:p>
             <a:fld id="{DFE6EE35-486F-4744-BCD0-C0B0C16F6743}" type="datetimeFigureOut">
               <a:rPr lang="en-US" smtClean="0"/>
-              <a:t>11/28/2016</a:t>
+              <a:t>11/28/16</a:t>
             </a:fld>
             <a:endParaRPr lang="en-US"/>
           </a:p>
@@ -2742,7 +2742,7 @@
           <a:p>
             <a:fld id="{DFE6EE35-486F-4744-BCD0-C0B0C16F6743}" type="datetimeFigureOut">
               <a:rPr lang="en-US" smtClean="0"/>
-              <a:t>11/28/2016</a:t>
+              <a:t>11/28/16</a:t>
             </a:fld>
             <a:endParaRPr lang="en-US"/>
           </a:p>
@@ -3189,6 +3189,13 @@
   <p:clrMapOvr>
     <a:masterClrMapping/>
   </p:clrMapOvr>
+  <p:timing>
+    <p:tnLst>
+      <p:par>
+        <p:cTn xmlns:p14="http://schemas.microsoft.com/office/powerpoint/2010/main" id="1" dur="indefinite" restart="never" nodeType="tmRoot"/>
+      </p:par>
+    </p:tnLst>
+  </p:timing>
 </p:sld>
 </file>
 
@@ -4219,11 +4226,7 @@
             </a:r>
             <a:r>
               <a:rPr lang="en-US" dirty="0" smtClean="0"/>
-              <a:t> import \ </a:t>
-            </a:r>
-            <a:r>
-              <a:rPr lang="en-US" dirty="0" smtClean="0"/>
-              <a:t>--connect </a:t>
+              <a:t> import \ --connect </a:t>
             </a:r>
             <a:r>
               <a:rPr lang="en-US" dirty="0" err="1" smtClean="0"/>
@@ -4453,7 +4456,7 @@
         <p:spPr/>
         <p:txBody>
           <a:bodyPr>
-            <a:normAutofit fontScale="85000" lnSpcReduction="10000"/>
+            <a:normAutofit fontScale="92500" lnSpcReduction="20000"/>
           </a:bodyPr>
           <a:lstStyle/>
           <a:p>
@@ -4805,7 +4808,7 @@
         <p:spPr/>
         <p:txBody>
           <a:bodyPr>
-            <a:normAutofit lnSpcReduction="10000"/>
+            <a:normAutofit/>
           </a:bodyPr>
           <a:lstStyle/>
           <a:p>
@@ -4819,25 +4822,7 @@
             </a:r>
             <a:r>
               <a:rPr lang="en-US" dirty="0" smtClean="0"/>
-              <a:t> is an open source tool that allows users to extract data from a structured data store(RDBMS) into Hadoop for further processing</a:t>
-            </a:r>
-          </a:p>
-          <a:p>
-            <a:r>
-              <a:rPr lang="en-US" dirty="0" smtClean="0"/>
-              <a:t>This processing can be done with </a:t>
-            </a:r>
-            <a:r>
-              <a:rPr lang="en-US" dirty="0" err="1" smtClean="0"/>
-              <a:t>MapReduce</a:t>
-            </a:r>
-            <a:r>
-              <a:rPr lang="en-US" dirty="0" smtClean="0"/>
-              <a:t> programs or other higher-level tools such as Hive, </a:t>
-            </a:r>
-            <a:r>
-              <a:rPr lang="en-US" dirty="0" err="1" smtClean="0"/>
-              <a:t>Hbase</a:t>
+              <a:t> is an open source tool that allows users to extract data from a structured data store(RDBMS) into Hadoop </a:t>
             </a:r>
             <a:endParaRPr lang="en-US" dirty="0" smtClean="0"/>
           </a:p>
@@ -4848,7 +4833,21 @@
             </a:r>
             <a:r>
               <a:rPr lang="en-US" dirty="0" smtClean="0"/>
-              <a:t> can export these results back to the data store (RDBMS)</a:t>
+              <a:t> </a:t>
+            </a:r>
+            <a:r>
+              <a:rPr lang="en-US" dirty="0" smtClean="0"/>
+              <a:t>can export these results back to the data store (RDBMS</a:t>
+            </a:r>
+            <a:r>
+              <a:rPr lang="en-US" dirty="0" smtClean="0"/>
+              <a:t>)</a:t>
+            </a:r>
+          </a:p>
+          <a:p>
+            <a:r>
+              <a:rPr lang="en-US" dirty="0" smtClean="0"/>
+              <a:t>Used to move data to and fro from any RDBMS </a:t>
             </a:r>
             <a:endParaRPr lang="en-US" dirty="0"/>
           </a:p>
@@ -4864,6 +4863,13 @@
   <p:clrMapOvr>
     <a:masterClrMapping/>
   </p:clrMapOvr>
+  <p:timing>
+    <p:tnLst>
+      <p:par>
+        <p:cTn xmlns:p14="http://schemas.microsoft.com/office/powerpoint/2010/main" id="1" dur="indefinite" restart="never" nodeType="tmRoot"/>
+      </p:par>
+    </p:tnLst>
+  </p:timing>
 </p:sld>
 </file>
 
@@ -5050,13 +5056,8 @@
           <a:p>
             <a:r>
               <a:rPr lang="en-US" dirty="0" smtClean="0"/>
-              <a:t>an export uses HDFS as the source of data and a remote data</a:t>
-            </a:r>
-            <a:r>
-              <a:rPr lang="en-US" dirty="0" smtClean="0"/>
-              <a:t>base as the destination.</a:t>
-            </a:r>
-            <a:endParaRPr lang="en-US" dirty="0" smtClean="0"/>
+              <a:t>an export uses HDFS as the source of data and a remote database as the destination.</a:t>
+            </a:r>
           </a:p>
           <a:p>
             <a:r>
@@ -5200,14 +5201,14 @@
             <a:noFill/>
           </a:ln>
           <a:extLst>
-            <a:ext uri="{909E8E84-426E-40DD-AFC4-6F175D3DCCD1}">
+            <a:ext uri="{909E8E84-426E-40dd-AFC4-6F175D3DCCD1}">
               <a14:hiddenFill xmlns:a14="http://schemas.microsoft.com/office/drawing/2010/main">
                 <a:solidFill>
                   <a:schemeClr val="accent1"/>
                 </a:solidFill>
               </a14:hiddenFill>
             </a:ext>
-            <a:ext uri="{91240B29-F687-4F45-9708-019B960494DF}">
+            <a:ext uri="{91240B29-F687-4f45-9708-019B960494DF}">
               <a14:hiddenLine xmlns:a14="http://schemas.microsoft.com/office/drawing/2010/main" w="9525">
                 <a:solidFill>
                   <a:schemeClr val="tx1"/>
@@ -5304,7 +5305,6 @@
               <a:rPr lang="en-US" dirty="0" smtClean="0"/>
               <a:t>Due to the parallel nature of the process, often an export is not an atomic operation.</a:t>
             </a:r>
-            <a:endParaRPr lang="en-US" dirty="0" smtClean="0"/>
           </a:p>
           <a:p>
             <a:r>
@@ -5441,14 +5441,14 @@
             <a:noFill/>
           </a:ln>
           <a:extLst>
-            <a:ext uri="{909E8E84-426E-40DD-AFC4-6F175D3DCCD1}">
+            <a:ext uri="{909E8E84-426E-40dd-AFC4-6F175D3DCCD1}">
               <a14:hiddenFill xmlns:a14="http://schemas.microsoft.com/office/drawing/2010/main">
                 <a:solidFill>
                   <a:schemeClr val="accent1"/>
                 </a:solidFill>
               </a14:hiddenFill>
             </a:ext>
-            <a:ext uri="{91240B29-F687-4F45-9708-019B960494DF}">
+            <a:ext uri="{91240B29-F687-4f45-9708-019B960494DF}">
               <a14:hiddenLine xmlns:a14="http://schemas.microsoft.com/office/drawing/2010/main" w="9525">
                 <a:solidFill>
                   <a:schemeClr val="tx1"/>
@@ -5471,6 +5471,13 @@
   <p:clrMapOvr>
     <a:masterClrMapping/>
   </p:clrMapOvr>
+  <p:timing>
+    <p:tnLst>
+      <p:par>
+        <p:cTn xmlns:p14="http://schemas.microsoft.com/office/powerpoint/2010/main" id="1" dur="indefinite" restart="never" nodeType="tmRoot"/>
+      </p:par>
+    </p:tnLst>
+  </p:timing>
 </p:sld>
 </file>
 
@@ -5657,7 +5664,23 @@
             </a:r>
             <a:r>
               <a:rPr lang="en-US" dirty="0" smtClean="0"/>
-              <a:t>://localhost/</a:t>
+              <a:t>:</a:t>
+            </a:r>
+            <a:r>
+              <a:rPr lang="en-US" dirty="0"/>
+              <a:t>//</a:t>
+            </a:r>
+            <a:r>
+              <a:rPr lang="en-US" dirty="0" err="1" smtClean="0"/>
+              <a:t>localhost</a:t>
+            </a:r>
+            <a:r>
+              <a:rPr lang="en-US" dirty="0" err="1"/>
+              <a:t>localhost</a:t>
+            </a:r>
+            <a:r>
+              <a:rPr lang="en-US" dirty="0" smtClean="0"/>
+              <a:t>/</a:t>
             </a:r>
             <a:r>
               <a:rPr lang="en-US" dirty="0" err="1" smtClean="0"/>
@@ -5665,7 +5688,11 @@
             </a:r>
             <a:r>
               <a:rPr lang="en-US" dirty="0" smtClean="0"/>
-              <a:t> \ --table </a:t>
+              <a:t> </a:t>
+            </a:r>
+            <a:r>
+              <a:rPr lang="en-US" dirty="0" smtClean="0"/>
+              <a:t>\ --table </a:t>
             </a:r>
             <a:r>
               <a:rPr lang="en-US" dirty="0" err="1" smtClean="0"/>
@@ -5697,7 +5724,15 @@
           <a:p>
             <a:r>
               <a:rPr lang="en-US" dirty="0" smtClean="0"/>
-              <a:t>By default, this will use four map tasks in parallel to speed up the import process. Each task will write its imported results to a different file, but all in a common directory</a:t>
+              <a:t>By default, this will use four map tasks in parallel to speed up the import process. Each task will write its imported results to a different </a:t>
+            </a:r>
+            <a:r>
+              <a:rPr lang="en-US" dirty="0" smtClean="0"/>
+              <a:t>files  in </a:t>
+            </a:r>
+            <a:r>
+              <a:rPr lang="en-US" dirty="0" smtClean="0"/>
+              <a:t>a common directory</a:t>
             </a:r>
           </a:p>
         </p:txBody>
@@ -5798,21 +5833,29 @@
             </a:r>
             <a:r>
               <a:rPr lang="en-US" dirty="0" smtClean="0"/>
-              <a:t> will generate comma-delimited text files for our imported data. </a:t>
-            </a:r>
-          </a:p>
-          <a:p>
-            <a:r>
-              <a:rPr lang="en-US" dirty="0" smtClean="0"/>
-              <a:t>command-line arguments that specify delimiter characters, file formats, compression, and more fine-grained con‐ </a:t>
-            </a:r>
-            <a:r>
-              <a:rPr lang="en-US" dirty="0" err="1" smtClean="0"/>
-              <a:t>trol</a:t>
-            </a:r>
-            <a:r>
-              <a:rPr lang="en-US" dirty="0" smtClean="0"/>
-              <a:t> of the import process</a:t>
+              <a:t> will generate comma-delimited text files for </a:t>
+            </a:r>
+            <a:r>
+              <a:rPr lang="en-US" dirty="0" smtClean="0"/>
+              <a:t>all imported </a:t>
+            </a:r>
+            <a:r>
+              <a:rPr lang="en-US" dirty="0" smtClean="0"/>
+              <a:t>data. </a:t>
+            </a:r>
+          </a:p>
+          <a:p>
+            <a:r>
+              <a:rPr lang="en-US" dirty="0" smtClean="0"/>
+              <a:t>command-line arguments that specify delimiter characters, file formats, compression, and more fine-grained </a:t>
+            </a:r>
+            <a:r>
+              <a:rPr lang="en-US" dirty="0" smtClean="0"/>
+              <a:t>control </a:t>
+            </a:r>
+            <a:r>
+              <a:rPr lang="en-US" dirty="0" smtClean="0"/>
+              <a:t>of the import process</a:t>
             </a:r>
             <a:endParaRPr lang="en-US" dirty="0"/>
           </a:p>
@@ -6039,14 +6082,14 @@
             <a:noFill/>
           </a:ln>
           <a:extLst>
-            <a:ext uri="{909E8E84-426E-40DD-AFC4-6F175D3DCCD1}">
+            <a:ext uri="{909E8E84-426E-40dd-AFC4-6F175D3DCCD1}">
               <a14:hiddenFill xmlns:a14="http://schemas.microsoft.com/office/drawing/2010/main">
                 <a:solidFill>
                   <a:schemeClr val="accent1"/>
                 </a:solidFill>
               </a14:hiddenFill>
             </a:ext>
-            <a:ext uri="{91240B29-F687-4F45-9708-019B960494DF}">
+            <a:ext uri="{91240B29-F687-4f45-9708-019B960494DF}">
               <a14:hiddenLine xmlns:a14="http://schemas.microsoft.com/office/drawing/2010/main" w="9525">
                 <a:solidFill>
                   <a:schemeClr val="tx1"/>
